--- a/Презентация РПО.pptx
+++ b/Презентация РПО.pptx
@@ -2,7 +2,7 @@
 <file path=ppt/presentation.xml><?xml version="1.0" encoding="utf-8"?>
 <p:presentation xmlns:a="http://schemas.openxmlformats.org/drawingml/2006/main" xmlns:r="http://schemas.openxmlformats.org/officeDocument/2006/relationships" xmlns:p="http://schemas.openxmlformats.org/presentationml/2006/main" saveSubsetFonts="1">
   <p:sldMasterIdLst>
-    <p:sldMasterId id="2147483648" r:id="rId1"/>
+    <p:sldMasterId id="2147483660" r:id="rId1"/>
   </p:sldMasterIdLst>
   <p:notesMasterIdLst>
     <p:notesMasterId r:id="rId14"/>
@@ -21,7 +21,7 @@
     <p:sldId id="263" r:id="rId12"/>
     <p:sldId id="264" r:id="rId13"/>
   </p:sldIdLst>
-  <p:sldSz cx="12192000" cy="6858000"/>
+  <p:sldSz cx="9144000" cy="6858000" type="screen4x3"/>
   <p:notesSz cx="6858000" cy="9144000"/>
   <p:defaultTextStyle>
     <a:defPPr>
@@ -226,8 +226,8 @@
         </p:nvSpPr>
         <p:spPr>
           <a:xfrm>
-            <a:off x="685800" y="1143000"/>
-            <a:ext cx="5486400" cy="3086100"/>
+            <a:off x="1371600" y="1143000"/>
+            <a:ext cx="4114800" cy="3086100"/>
           </a:xfrm>
           <a:prstGeom prst="rect">
             <a:avLst/>
@@ -495,7 +495,7 @@
       </p:grpSpPr>
       <p:sp>
         <p:nvSpPr>
-          <p:cNvPr id="2" name="Заголовок 1"/>
+          <p:cNvPr id="2" name="Title 1"/>
           <p:cNvSpPr>
             <a:spLocks noGrp="1"/>
           </p:cNvSpPr>
@@ -505,8 +505,8 @@
         </p:nvSpPr>
         <p:spPr>
           <a:xfrm>
-            <a:off x="1524000" y="1122363"/>
-            <a:ext cx="9144000" cy="2387600"/>
+            <a:off x="685800" y="1122363"/>
+            <a:ext cx="7772400" cy="2387600"/>
           </a:xfrm>
         </p:spPr>
         <p:txBody>
@@ -521,13 +521,13 @@
               <a:rPr lang="ru-RU" smtClean="0"/>
               <a:t>Образец заголовка</a:t>
             </a:r>
-            <a:endParaRPr lang="ru-RU"/>
-          </a:p>
-        </p:txBody>
-      </p:sp>
-      <p:sp>
-        <p:nvSpPr>
-          <p:cNvPr id="3" name="Подзаголовок 2"/>
+            <a:endParaRPr lang="en-US" dirty="0"/>
+          </a:p>
+        </p:txBody>
+      </p:sp>
+      <p:sp>
+        <p:nvSpPr>
+          <p:cNvPr id="3" name="Subtitle 2"/>
           <p:cNvSpPr>
             <a:spLocks noGrp="1"/>
           </p:cNvSpPr>
@@ -537,8 +537,8 @@
         </p:nvSpPr>
         <p:spPr>
           <a:xfrm>
-            <a:off x="1524000" y="3602038"/>
-            <a:ext cx="9144000" cy="1655762"/>
+            <a:off x="1143000" y="3602038"/>
+            <a:ext cx="6858000" cy="1655762"/>
           </a:xfrm>
         </p:spPr>
         <p:txBody>
@@ -586,13 +586,13 @@
               <a:rPr lang="ru-RU" smtClean="0"/>
               <a:t>Образец подзаголовка</a:t>
             </a:r>
-            <a:endParaRPr lang="ru-RU"/>
-          </a:p>
-        </p:txBody>
-      </p:sp>
-      <p:sp>
-        <p:nvSpPr>
-          <p:cNvPr id="4" name="Дата 3"/>
+            <a:endParaRPr lang="en-US" dirty="0"/>
+          </a:p>
+        </p:txBody>
+      </p:sp>
+      <p:sp>
+        <p:nvSpPr>
+          <p:cNvPr id="4" name="Date Placeholder 3"/>
           <p:cNvSpPr>
             <a:spLocks noGrp="1"/>
           </p:cNvSpPr>
@@ -615,7 +615,7 @@
       </p:sp>
       <p:sp>
         <p:nvSpPr>
-          <p:cNvPr id="5" name="Нижний колонтитул 4"/>
+          <p:cNvPr id="5" name="Footer Placeholder 4"/>
           <p:cNvSpPr>
             <a:spLocks noGrp="1"/>
           </p:cNvSpPr>
@@ -634,7 +634,7 @@
       </p:sp>
       <p:sp>
         <p:nvSpPr>
-          <p:cNvPr id="6" name="Номер слайда 5"/>
+          <p:cNvPr id="6" name="Slide Number Placeholder 5"/>
           <p:cNvSpPr>
             <a:spLocks noGrp="1"/>
           </p:cNvSpPr>
@@ -658,7 +658,7 @@
     </p:spTree>
     <p:extLst>
       <p:ext uri="{BB962C8B-B14F-4D97-AF65-F5344CB8AC3E}">
-        <p14:creationId xmlns:p14="http://schemas.microsoft.com/office/powerpoint/2010/main" val="3791251526"/>
+        <p14:creationId xmlns:p14="http://schemas.microsoft.com/office/powerpoint/2010/main" val="4291823697"/>
       </p:ext>
     </p:extLst>
   </p:cSld>
@@ -687,7 +687,7 @@
       </p:grpSpPr>
       <p:sp>
         <p:nvSpPr>
-          <p:cNvPr id="2" name="Заголовок 1"/>
+          <p:cNvPr id="2" name="Title 1"/>
           <p:cNvSpPr>
             <a:spLocks noGrp="1"/>
           </p:cNvSpPr>
@@ -704,13 +704,13 @@
               <a:rPr lang="ru-RU" smtClean="0"/>
               <a:t>Образец заголовка</a:t>
             </a:r>
-            <a:endParaRPr lang="ru-RU"/>
-          </a:p>
-        </p:txBody>
-      </p:sp>
-      <p:sp>
-        <p:nvSpPr>
-          <p:cNvPr id="3" name="Вертикальный текст 2"/>
+            <a:endParaRPr lang="en-US" dirty="0"/>
+          </a:p>
+        </p:txBody>
+      </p:sp>
+      <p:sp>
+        <p:nvSpPr>
+          <p:cNvPr id="3" name="Vertical Text Placeholder 2"/>
           <p:cNvSpPr>
             <a:spLocks noGrp="1"/>
           </p:cNvSpPr>
@@ -756,13 +756,13 @@
               <a:rPr lang="ru-RU" smtClean="0"/>
               <a:t>Пятый уровень</a:t>
             </a:r>
-            <a:endParaRPr lang="ru-RU"/>
-          </a:p>
-        </p:txBody>
-      </p:sp>
-      <p:sp>
-        <p:nvSpPr>
-          <p:cNvPr id="4" name="Дата 3"/>
+            <a:endParaRPr lang="en-US" dirty="0"/>
+          </a:p>
+        </p:txBody>
+      </p:sp>
+      <p:sp>
+        <p:nvSpPr>
+          <p:cNvPr id="4" name="Date Placeholder 3"/>
           <p:cNvSpPr>
             <a:spLocks noGrp="1"/>
           </p:cNvSpPr>
@@ -785,7 +785,7 @@
       </p:sp>
       <p:sp>
         <p:nvSpPr>
-          <p:cNvPr id="5" name="Нижний колонтитул 4"/>
+          <p:cNvPr id="5" name="Footer Placeholder 4"/>
           <p:cNvSpPr>
             <a:spLocks noGrp="1"/>
           </p:cNvSpPr>
@@ -804,7 +804,7 @@
       </p:sp>
       <p:sp>
         <p:nvSpPr>
-          <p:cNvPr id="6" name="Номер слайда 5"/>
+          <p:cNvPr id="6" name="Slide Number Placeholder 5"/>
           <p:cNvSpPr>
             <a:spLocks noGrp="1"/>
           </p:cNvSpPr>
@@ -828,7 +828,7 @@
     </p:spTree>
     <p:extLst>
       <p:ext uri="{BB962C8B-B14F-4D97-AF65-F5344CB8AC3E}">
-        <p14:creationId xmlns:p14="http://schemas.microsoft.com/office/powerpoint/2010/main" val="881884636"/>
+        <p14:creationId xmlns:p14="http://schemas.microsoft.com/office/powerpoint/2010/main" val="2075982223"/>
       </p:ext>
     </p:extLst>
   </p:cSld>
@@ -857,7 +857,7 @@
       </p:grpSpPr>
       <p:sp>
         <p:nvSpPr>
-          <p:cNvPr id="2" name="Вертикальный заголовок 1"/>
+          <p:cNvPr id="2" name="Vertical Title 1"/>
           <p:cNvSpPr>
             <a:spLocks noGrp="1"/>
           </p:cNvSpPr>
@@ -867,8 +867,8 @@
         </p:nvSpPr>
         <p:spPr>
           <a:xfrm>
-            <a:off x="8724900" y="365125"/>
-            <a:ext cx="2628900" cy="5811838"/>
+            <a:off x="6543675" y="365125"/>
+            <a:ext cx="1971675" cy="5811838"/>
           </a:xfrm>
         </p:spPr>
         <p:txBody>
@@ -879,13 +879,13 @@
               <a:rPr lang="ru-RU" smtClean="0"/>
               <a:t>Образец заголовка</a:t>
             </a:r>
-            <a:endParaRPr lang="ru-RU"/>
-          </a:p>
-        </p:txBody>
-      </p:sp>
-      <p:sp>
-        <p:nvSpPr>
-          <p:cNvPr id="3" name="Вертикальный текст 2"/>
+            <a:endParaRPr lang="en-US" dirty="0"/>
+          </a:p>
+        </p:txBody>
+      </p:sp>
+      <p:sp>
+        <p:nvSpPr>
+          <p:cNvPr id="3" name="Vertical Text Placeholder 2"/>
           <p:cNvSpPr>
             <a:spLocks noGrp="1"/>
           </p:cNvSpPr>
@@ -895,8 +895,8 @@
         </p:nvSpPr>
         <p:spPr>
           <a:xfrm>
-            <a:off x="838200" y="365125"/>
-            <a:ext cx="7734300" cy="5811838"/>
+            <a:off x="628650" y="365125"/>
+            <a:ext cx="5800725" cy="5811838"/>
           </a:xfrm>
         </p:spPr>
         <p:txBody>
@@ -936,13 +936,13 @@
               <a:rPr lang="ru-RU" smtClean="0"/>
               <a:t>Пятый уровень</a:t>
             </a:r>
-            <a:endParaRPr lang="ru-RU"/>
-          </a:p>
-        </p:txBody>
-      </p:sp>
-      <p:sp>
-        <p:nvSpPr>
-          <p:cNvPr id="4" name="Дата 3"/>
+            <a:endParaRPr lang="en-US" dirty="0"/>
+          </a:p>
+        </p:txBody>
+      </p:sp>
+      <p:sp>
+        <p:nvSpPr>
+          <p:cNvPr id="4" name="Date Placeholder 3"/>
           <p:cNvSpPr>
             <a:spLocks noGrp="1"/>
           </p:cNvSpPr>
@@ -965,7 +965,7 @@
       </p:sp>
       <p:sp>
         <p:nvSpPr>
-          <p:cNvPr id="5" name="Нижний колонтитул 4"/>
+          <p:cNvPr id="5" name="Footer Placeholder 4"/>
           <p:cNvSpPr>
             <a:spLocks noGrp="1"/>
           </p:cNvSpPr>
@@ -984,7 +984,7 @@
       </p:sp>
       <p:sp>
         <p:nvSpPr>
-          <p:cNvPr id="6" name="Номер слайда 5"/>
+          <p:cNvPr id="6" name="Slide Number Placeholder 5"/>
           <p:cNvSpPr>
             <a:spLocks noGrp="1"/>
           </p:cNvSpPr>
@@ -1008,7 +1008,7 @@
     </p:spTree>
     <p:extLst>
       <p:ext uri="{BB962C8B-B14F-4D97-AF65-F5344CB8AC3E}">
-        <p14:creationId xmlns:p14="http://schemas.microsoft.com/office/powerpoint/2010/main" val="1649139491"/>
+        <p14:creationId xmlns:p14="http://schemas.microsoft.com/office/powerpoint/2010/main" val="3843205368"/>
       </p:ext>
     </p:extLst>
   </p:cSld>
@@ -1037,7 +1037,7 @@
       </p:grpSpPr>
       <p:sp>
         <p:nvSpPr>
-          <p:cNvPr id="2" name="Заголовок 1"/>
+          <p:cNvPr id="2" name="Title 1"/>
           <p:cNvSpPr>
             <a:spLocks noGrp="1"/>
           </p:cNvSpPr>
@@ -1054,13 +1054,13 @@
               <a:rPr lang="ru-RU" smtClean="0"/>
               <a:t>Образец заголовка</a:t>
             </a:r>
-            <a:endParaRPr lang="ru-RU"/>
-          </a:p>
-        </p:txBody>
-      </p:sp>
-      <p:sp>
-        <p:nvSpPr>
-          <p:cNvPr id="3" name="Объект 2"/>
+            <a:endParaRPr lang="en-US" dirty="0"/>
+          </a:p>
+        </p:txBody>
+      </p:sp>
+      <p:sp>
+        <p:nvSpPr>
+          <p:cNvPr id="3" name="Content Placeholder 2"/>
           <p:cNvSpPr>
             <a:spLocks noGrp="1"/>
           </p:cNvSpPr>
@@ -1106,13 +1106,13 @@
               <a:rPr lang="ru-RU" smtClean="0"/>
               <a:t>Пятый уровень</a:t>
             </a:r>
-            <a:endParaRPr lang="ru-RU"/>
-          </a:p>
-        </p:txBody>
-      </p:sp>
-      <p:sp>
-        <p:nvSpPr>
-          <p:cNvPr id="4" name="Дата 3"/>
+            <a:endParaRPr lang="en-US" dirty="0"/>
+          </a:p>
+        </p:txBody>
+      </p:sp>
+      <p:sp>
+        <p:nvSpPr>
+          <p:cNvPr id="4" name="Date Placeholder 3"/>
           <p:cNvSpPr>
             <a:spLocks noGrp="1"/>
           </p:cNvSpPr>
@@ -1135,7 +1135,7 @@
       </p:sp>
       <p:sp>
         <p:nvSpPr>
-          <p:cNvPr id="5" name="Нижний колонтитул 4"/>
+          <p:cNvPr id="5" name="Footer Placeholder 4"/>
           <p:cNvSpPr>
             <a:spLocks noGrp="1"/>
           </p:cNvSpPr>
@@ -1154,7 +1154,7 @@
       </p:sp>
       <p:sp>
         <p:nvSpPr>
-          <p:cNvPr id="6" name="Номер слайда 5"/>
+          <p:cNvPr id="6" name="Slide Number Placeholder 5"/>
           <p:cNvSpPr>
             <a:spLocks noGrp="1"/>
           </p:cNvSpPr>
@@ -1178,7 +1178,7 @@
     </p:spTree>
     <p:extLst>
       <p:ext uri="{BB962C8B-B14F-4D97-AF65-F5344CB8AC3E}">
-        <p14:creationId xmlns:p14="http://schemas.microsoft.com/office/powerpoint/2010/main" val="2250138539"/>
+        <p14:creationId xmlns:p14="http://schemas.microsoft.com/office/powerpoint/2010/main" val="3873805047"/>
       </p:ext>
     </p:extLst>
   </p:cSld>
@@ -1207,7 +1207,7 @@
       </p:grpSpPr>
       <p:sp>
         <p:nvSpPr>
-          <p:cNvPr id="2" name="Заголовок 1"/>
+          <p:cNvPr id="2" name="Title 1"/>
           <p:cNvSpPr>
             <a:spLocks noGrp="1"/>
           </p:cNvSpPr>
@@ -1217,8 +1217,8 @@
         </p:nvSpPr>
         <p:spPr>
           <a:xfrm>
-            <a:off x="831850" y="1709738"/>
-            <a:ext cx="10515600" cy="2852737"/>
+            <a:off x="623888" y="1709739"/>
+            <a:ext cx="7886700" cy="2852737"/>
           </a:xfrm>
         </p:spPr>
         <p:txBody>
@@ -1233,13 +1233,13 @@
               <a:rPr lang="ru-RU" smtClean="0"/>
               <a:t>Образец заголовка</a:t>
             </a:r>
-            <a:endParaRPr lang="ru-RU"/>
-          </a:p>
-        </p:txBody>
-      </p:sp>
-      <p:sp>
-        <p:nvSpPr>
-          <p:cNvPr id="3" name="Текст 2"/>
+            <a:endParaRPr lang="en-US" dirty="0"/>
+          </a:p>
+        </p:txBody>
+      </p:sp>
+      <p:sp>
+        <p:nvSpPr>
+          <p:cNvPr id="3" name="Text Placeholder 2"/>
           <p:cNvSpPr>
             <a:spLocks noGrp="1"/>
           </p:cNvSpPr>
@@ -1249,8 +1249,8 @@
         </p:nvSpPr>
         <p:spPr>
           <a:xfrm>
-            <a:off x="831850" y="4589463"/>
-            <a:ext cx="10515600" cy="1500187"/>
+            <a:off x="623888" y="4589464"/>
+            <a:ext cx="7886700" cy="1500187"/>
           </a:xfrm>
         </p:spPr>
         <p:txBody>
@@ -1260,9 +1260,7 @@
               <a:buNone/>
               <a:defRPr sz="2400">
                 <a:solidFill>
-                  <a:schemeClr val="tx1">
-                    <a:tint val="75000"/>
-                  </a:schemeClr>
+                  <a:schemeClr val="tx1"/>
                 </a:solidFill>
               </a:defRPr>
             </a:lvl1pPr>
@@ -1358,7 +1356,7 @@
       </p:sp>
       <p:sp>
         <p:nvSpPr>
-          <p:cNvPr id="4" name="Дата 3"/>
+          <p:cNvPr id="4" name="Date Placeholder 3"/>
           <p:cNvSpPr>
             <a:spLocks noGrp="1"/>
           </p:cNvSpPr>
@@ -1381,7 +1379,7 @@
       </p:sp>
       <p:sp>
         <p:nvSpPr>
-          <p:cNvPr id="5" name="Нижний колонтитул 4"/>
+          <p:cNvPr id="5" name="Footer Placeholder 4"/>
           <p:cNvSpPr>
             <a:spLocks noGrp="1"/>
           </p:cNvSpPr>
@@ -1400,7 +1398,7 @@
       </p:sp>
       <p:sp>
         <p:nvSpPr>
-          <p:cNvPr id="6" name="Номер слайда 5"/>
+          <p:cNvPr id="6" name="Slide Number Placeholder 5"/>
           <p:cNvSpPr>
             <a:spLocks noGrp="1"/>
           </p:cNvSpPr>
@@ -1424,7 +1422,7 @@
     </p:spTree>
     <p:extLst>
       <p:ext uri="{BB962C8B-B14F-4D97-AF65-F5344CB8AC3E}">
-        <p14:creationId xmlns:p14="http://schemas.microsoft.com/office/powerpoint/2010/main" val="1509942103"/>
+        <p14:creationId xmlns:p14="http://schemas.microsoft.com/office/powerpoint/2010/main" val="3683965724"/>
       </p:ext>
     </p:extLst>
   </p:cSld>
@@ -1453,7 +1451,7 @@
       </p:grpSpPr>
       <p:sp>
         <p:nvSpPr>
-          <p:cNvPr id="2" name="Заголовок 1"/>
+          <p:cNvPr id="2" name="Title 1"/>
           <p:cNvSpPr>
             <a:spLocks noGrp="1"/>
           </p:cNvSpPr>
@@ -1470,13 +1468,13 @@
               <a:rPr lang="ru-RU" smtClean="0"/>
               <a:t>Образец заголовка</a:t>
             </a:r>
-            <a:endParaRPr lang="ru-RU"/>
-          </a:p>
-        </p:txBody>
-      </p:sp>
-      <p:sp>
-        <p:nvSpPr>
-          <p:cNvPr id="3" name="Объект 2"/>
+            <a:endParaRPr lang="en-US" dirty="0"/>
+          </a:p>
+        </p:txBody>
+      </p:sp>
+      <p:sp>
+        <p:nvSpPr>
+          <p:cNvPr id="3" name="Content Placeholder 2"/>
           <p:cNvSpPr>
             <a:spLocks noGrp="1"/>
           </p:cNvSpPr>
@@ -1486,8 +1484,8 @@
         </p:nvSpPr>
         <p:spPr>
           <a:xfrm>
-            <a:off x="838200" y="1825625"/>
-            <a:ext cx="5181600" cy="4351338"/>
+            <a:off x="628650" y="1825625"/>
+            <a:ext cx="3886200" cy="4351338"/>
           </a:xfrm>
         </p:spPr>
         <p:txBody>
@@ -1527,13 +1525,13 @@
               <a:rPr lang="ru-RU" smtClean="0"/>
               <a:t>Пятый уровень</a:t>
             </a:r>
-            <a:endParaRPr lang="ru-RU"/>
-          </a:p>
-        </p:txBody>
-      </p:sp>
-      <p:sp>
-        <p:nvSpPr>
-          <p:cNvPr id="4" name="Объект 3"/>
+            <a:endParaRPr lang="en-US" dirty="0"/>
+          </a:p>
+        </p:txBody>
+      </p:sp>
+      <p:sp>
+        <p:nvSpPr>
+          <p:cNvPr id="4" name="Content Placeholder 3"/>
           <p:cNvSpPr>
             <a:spLocks noGrp="1"/>
           </p:cNvSpPr>
@@ -1543,8 +1541,8 @@
         </p:nvSpPr>
         <p:spPr>
           <a:xfrm>
-            <a:off x="6172200" y="1825625"/>
-            <a:ext cx="5181600" cy="4351338"/>
+            <a:off x="4629150" y="1825625"/>
+            <a:ext cx="3886200" cy="4351338"/>
           </a:xfrm>
         </p:spPr>
         <p:txBody>
@@ -1584,13 +1582,13 @@
               <a:rPr lang="ru-RU" smtClean="0"/>
               <a:t>Пятый уровень</a:t>
             </a:r>
-            <a:endParaRPr lang="ru-RU"/>
-          </a:p>
-        </p:txBody>
-      </p:sp>
-      <p:sp>
-        <p:nvSpPr>
-          <p:cNvPr id="5" name="Дата 4"/>
+            <a:endParaRPr lang="en-US" dirty="0"/>
+          </a:p>
+        </p:txBody>
+      </p:sp>
+      <p:sp>
+        <p:nvSpPr>
+          <p:cNvPr id="5" name="Date Placeholder 4"/>
           <p:cNvSpPr>
             <a:spLocks noGrp="1"/>
           </p:cNvSpPr>
@@ -1613,7 +1611,7 @@
       </p:sp>
       <p:sp>
         <p:nvSpPr>
-          <p:cNvPr id="6" name="Нижний колонтитул 5"/>
+          <p:cNvPr id="6" name="Footer Placeholder 5"/>
           <p:cNvSpPr>
             <a:spLocks noGrp="1"/>
           </p:cNvSpPr>
@@ -1632,7 +1630,7 @@
       </p:sp>
       <p:sp>
         <p:nvSpPr>
-          <p:cNvPr id="7" name="Номер слайда 6"/>
+          <p:cNvPr id="7" name="Slide Number Placeholder 6"/>
           <p:cNvSpPr>
             <a:spLocks noGrp="1"/>
           </p:cNvSpPr>
@@ -1656,7 +1654,7 @@
     </p:spTree>
     <p:extLst>
       <p:ext uri="{BB962C8B-B14F-4D97-AF65-F5344CB8AC3E}">
-        <p14:creationId xmlns:p14="http://schemas.microsoft.com/office/powerpoint/2010/main" val="1422190371"/>
+        <p14:creationId xmlns:p14="http://schemas.microsoft.com/office/powerpoint/2010/main" val="1855231695"/>
       </p:ext>
     </p:extLst>
   </p:cSld>
@@ -1685,7 +1683,7 @@
       </p:grpSpPr>
       <p:sp>
         <p:nvSpPr>
-          <p:cNvPr id="2" name="Заголовок 1"/>
+          <p:cNvPr id="2" name="Title 1"/>
           <p:cNvSpPr>
             <a:spLocks noGrp="1"/>
           </p:cNvSpPr>
@@ -1695,8 +1693,8 @@
         </p:nvSpPr>
         <p:spPr>
           <a:xfrm>
-            <a:off x="839788" y="365125"/>
-            <a:ext cx="10515600" cy="1325563"/>
+            <a:off x="629841" y="365126"/>
+            <a:ext cx="7886700" cy="1325563"/>
           </a:xfrm>
         </p:spPr>
         <p:txBody>
@@ -1707,13 +1705,13 @@
               <a:rPr lang="ru-RU" smtClean="0"/>
               <a:t>Образец заголовка</a:t>
             </a:r>
-            <a:endParaRPr lang="ru-RU"/>
-          </a:p>
-        </p:txBody>
-      </p:sp>
-      <p:sp>
-        <p:nvSpPr>
-          <p:cNvPr id="3" name="Текст 2"/>
+            <a:endParaRPr lang="en-US" dirty="0"/>
+          </a:p>
+        </p:txBody>
+      </p:sp>
+      <p:sp>
+        <p:nvSpPr>
+          <p:cNvPr id="3" name="Text Placeholder 2"/>
           <p:cNvSpPr>
             <a:spLocks noGrp="1"/>
           </p:cNvSpPr>
@@ -1723,8 +1721,8 @@
         </p:nvSpPr>
         <p:spPr>
           <a:xfrm>
-            <a:off x="839788" y="1681163"/>
-            <a:ext cx="5157787" cy="823912"/>
+            <a:off x="629842" y="1681163"/>
+            <a:ext cx="3868340" cy="823912"/>
           </a:xfrm>
         </p:spPr>
         <p:txBody>
@@ -1778,7 +1776,7 @@
       </p:sp>
       <p:sp>
         <p:nvSpPr>
-          <p:cNvPr id="4" name="Объект 3"/>
+          <p:cNvPr id="4" name="Content Placeholder 3"/>
           <p:cNvSpPr>
             <a:spLocks noGrp="1"/>
           </p:cNvSpPr>
@@ -1788,8 +1786,8 @@
         </p:nvSpPr>
         <p:spPr>
           <a:xfrm>
-            <a:off x="839788" y="2505075"/>
-            <a:ext cx="5157787" cy="3684588"/>
+            <a:off x="629842" y="2505075"/>
+            <a:ext cx="3868340" cy="3684588"/>
           </a:xfrm>
         </p:spPr>
         <p:txBody>
@@ -1829,13 +1827,13 @@
               <a:rPr lang="ru-RU" smtClean="0"/>
               <a:t>Пятый уровень</a:t>
             </a:r>
-            <a:endParaRPr lang="ru-RU"/>
-          </a:p>
-        </p:txBody>
-      </p:sp>
-      <p:sp>
-        <p:nvSpPr>
-          <p:cNvPr id="5" name="Текст 4"/>
+            <a:endParaRPr lang="en-US" dirty="0"/>
+          </a:p>
+        </p:txBody>
+      </p:sp>
+      <p:sp>
+        <p:nvSpPr>
+          <p:cNvPr id="5" name="Text Placeholder 4"/>
           <p:cNvSpPr>
             <a:spLocks noGrp="1"/>
           </p:cNvSpPr>
@@ -1845,8 +1843,8 @@
         </p:nvSpPr>
         <p:spPr>
           <a:xfrm>
-            <a:off x="6172200" y="1681163"/>
-            <a:ext cx="5183188" cy="823912"/>
+            <a:off x="4629150" y="1681163"/>
+            <a:ext cx="3887391" cy="823912"/>
           </a:xfrm>
         </p:spPr>
         <p:txBody>
@@ -1900,7 +1898,7 @@
       </p:sp>
       <p:sp>
         <p:nvSpPr>
-          <p:cNvPr id="6" name="Объект 5"/>
+          <p:cNvPr id="6" name="Content Placeholder 5"/>
           <p:cNvSpPr>
             <a:spLocks noGrp="1"/>
           </p:cNvSpPr>
@@ -1910,8 +1908,8 @@
         </p:nvSpPr>
         <p:spPr>
           <a:xfrm>
-            <a:off x="6172200" y="2505075"/>
-            <a:ext cx="5183188" cy="3684588"/>
+            <a:off x="4629150" y="2505075"/>
+            <a:ext cx="3887391" cy="3684588"/>
           </a:xfrm>
         </p:spPr>
         <p:txBody>
@@ -1951,13 +1949,13 @@
               <a:rPr lang="ru-RU" smtClean="0"/>
               <a:t>Пятый уровень</a:t>
             </a:r>
-            <a:endParaRPr lang="ru-RU"/>
-          </a:p>
-        </p:txBody>
-      </p:sp>
-      <p:sp>
-        <p:nvSpPr>
-          <p:cNvPr id="7" name="Дата 6"/>
+            <a:endParaRPr lang="en-US" dirty="0"/>
+          </a:p>
+        </p:txBody>
+      </p:sp>
+      <p:sp>
+        <p:nvSpPr>
+          <p:cNvPr id="7" name="Date Placeholder 6"/>
           <p:cNvSpPr>
             <a:spLocks noGrp="1"/>
           </p:cNvSpPr>
@@ -1980,7 +1978,7 @@
       </p:sp>
       <p:sp>
         <p:nvSpPr>
-          <p:cNvPr id="8" name="Нижний колонтитул 7"/>
+          <p:cNvPr id="8" name="Footer Placeholder 7"/>
           <p:cNvSpPr>
             <a:spLocks noGrp="1"/>
           </p:cNvSpPr>
@@ -1999,7 +1997,7 @@
       </p:sp>
       <p:sp>
         <p:nvSpPr>
-          <p:cNvPr id="9" name="Номер слайда 8"/>
+          <p:cNvPr id="9" name="Slide Number Placeholder 8"/>
           <p:cNvSpPr>
             <a:spLocks noGrp="1"/>
           </p:cNvSpPr>
@@ -2023,7 +2021,7 @@
     </p:spTree>
     <p:extLst>
       <p:ext uri="{BB962C8B-B14F-4D97-AF65-F5344CB8AC3E}">
-        <p14:creationId xmlns:p14="http://schemas.microsoft.com/office/powerpoint/2010/main" val="1226718436"/>
+        <p14:creationId xmlns:p14="http://schemas.microsoft.com/office/powerpoint/2010/main" val="3994471581"/>
       </p:ext>
     </p:extLst>
   </p:cSld>
@@ -2052,7 +2050,7 @@
       </p:grpSpPr>
       <p:sp>
         <p:nvSpPr>
-          <p:cNvPr id="2" name="Заголовок 1"/>
+          <p:cNvPr id="2" name="Title 1"/>
           <p:cNvSpPr>
             <a:spLocks noGrp="1"/>
           </p:cNvSpPr>
@@ -2069,13 +2067,13 @@
               <a:rPr lang="ru-RU" smtClean="0"/>
               <a:t>Образец заголовка</a:t>
             </a:r>
-            <a:endParaRPr lang="ru-RU"/>
-          </a:p>
-        </p:txBody>
-      </p:sp>
-      <p:sp>
-        <p:nvSpPr>
-          <p:cNvPr id="3" name="Дата 2"/>
+            <a:endParaRPr lang="en-US" dirty="0"/>
+          </a:p>
+        </p:txBody>
+      </p:sp>
+      <p:sp>
+        <p:nvSpPr>
+          <p:cNvPr id="3" name="Date Placeholder 2"/>
           <p:cNvSpPr>
             <a:spLocks noGrp="1"/>
           </p:cNvSpPr>
@@ -2098,7 +2096,7 @@
       </p:sp>
       <p:sp>
         <p:nvSpPr>
-          <p:cNvPr id="4" name="Нижний колонтитул 3"/>
+          <p:cNvPr id="4" name="Footer Placeholder 3"/>
           <p:cNvSpPr>
             <a:spLocks noGrp="1"/>
           </p:cNvSpPr>
@@ -2117,7 +2115,7 @@
       </p:sp>
       <p:sp>
         <p:nvSpPr>
-          <p:cNvPr id="5" name="Номер слайда 4"/>
+          <p:cNvPr id="5" name="Slide Number Placeholder 4"/>
           <p:cNvSpPr>
             <a:spLocks noGrp="1"/>
           </p:cNvSpPr>
@@ -2141,7 +2139,7 @@
     </p:spTree>
     <p:extLst>
       <p:ext uri="{BB962C8B-B14F-4D97-AF65-F5344CB8AC3E}">
-        <p14:creationId xmlns:p14="http://schemas.microsoft.com/office/powerpoint/2010/main" val="720439077"/>
+        <p14:creationId xmlns:p14="http://schemas.microsoft.com/office/powerpoint/2010/main" val="140378854"/>
       </p:ext>
     </p:extLst>
   </p:cSld>
@@ -2170,7 +2168,7 @@
       </p:grpSpPr>
       <p:sp>
         <p:nvSpPr>
-          <p:cNvPr id="2" name="Дата 1"/>
+          <p:cNvPr id="2" name="Date Placeholder 1"/>
           <p:cNvSpPr>
             <a:spLocks noGrp="1"/>
           </p:cNvSpPr>
@@ -2193,7 +2191,7 @@
       </p:sp>
       <p:sp>
         <p:nvSpPr>
-          <p:cNvPr id="3" name="Нижний колонтитул 2"/>
+          <p:cNvPr id="3" name="Footer Placeholder 2"/>
           <p:cNvSpPr>
             <a:spLocks noGrp="1"/>
           </p:cNvSpPr>
@@ -2212,7 +2210,7 @@
       </p:sp>
       <p:sp>
         <p:nvSpPr>
-          <p:cNvPr id="4" name="Номер слайда 3"/>
+          <p:cNvPr id="4" name="Slide Number Placeholder 3"/>
           <p:cNvSpPr>
             <a:spLocks noGrp="1"/>
           </p:cNvSpPr>
@@ -2236,7 +2234,7 @@
     </p:spTree>
     <p:extLst>
       <p:ext uri="{BB962C8B-B14F-4D97-AF65-F5344CB8AC3E}">
-        <p14:creationId xmlns:p14="http://schemas.microsoft.com/office/powerpoint/2010/main" val="4265103066"/>
+        <p14:creationId xmlns:p14="http://schemas.microsoft.com/office/powerpoint/2010/main" val="310397449"/>
       </p:ext>
     </p:extLst>
   </p:cSld>
@@ -2265,7 +2263,7 @@
       </p:grpSpPr>
       <p:sp>
         <p:nvSpPr>
-          <p:cNvPr id="2" name="Заголовок 1"/>
+          <p:cNvPr id="2" name="Title 1"/>
           <p:cNvSpPr>
             <a:spLocks noGrp="1"/>
           </p:cNvSpPr>
@@ -2275,8 +2273,8 @@
         </p:nvSpPr>
         <p:spPr>
           <a:xfrm>
-            <a:off x="839788" y="457200"/>
-            <a:ext cx="3932237" cy="1600200"/>
+            <a:off x="629841" y="457200"/>
+            <a:ext cx="2949178" cy="1600200"/>
           </a:xfrm>
         </p:spPr>
         <p:txBody>
@@ -2291,13 +2289,13 @@
               <a:rPr lang="ru-RU" smtClean="0"/>
               <a:t>Образец заголовка</a:t>
             </a:r>
-            <a:endParaRPr lang="ru-RU"/>
-          </a:p>
-        </p:txBody>
-      </p:sp>
-      <p:sp>
-        <p:nvSpPr>
-          <p:cNvPr id="3" name="Объект 2"/>
+            <a:endParaRPr lang="en-US" dirty="0"/>
+          </a:p>
+        </p:txBody>
+      </p:sp>
+      <p:sp>
+        <p:nvSpPr>
+          <p:cNvPr id="3" name="Content Placeholder 2"/>
           <p:cNvSpPr>
             <a:spLocks noGrp="1"/>
           </p:cNvSpPr>
@@ -2307,8 +2305,8 @@
         </p:nvSpPr>
         <p:spPr>
           <a:xfrm>
-            <a:off x="5183188" y="987425"/>
-            <a:ext cx="6172200" cy="4873625"/>
+            <a:off x="3887391" y="987426"/>
+            <a:ext cx="4629150" cy="4873625"/>
           </a:xfrm>
         </p:spPr>
         <p:txBody>
@@ -2376,13 +2374,13 @@
               <a:rPr lang="ru-RU" smtClean="0"/>
               <a:t>Пятый уровень</a:t>
             </a:r>
-            <a:endParaRPr lang="ru-RU"/>
-          </a:p>
-        </p:txBody>
-      </p:sp>
-      <p:sp>
-        <p:nvSpPr>
-          <p:cNvPr id="4" name="Текст 3"/>
+            <a:endParaRPr lang="en-US" dirty="0"/>
+          </a:p>
+        </p:txBody>
+      </p:sp>
+      <p:sp>
+        <p:nvSpPr>
+          <p:cNvPr id="4" name="Text Placeholder 3"/>
           <p:cNvSpPr>
             <a:spLocks noGrp="1"/>
           </p:cNvSpPr>
@@ -2392,8 +2390,8 @@
         </p:nvSpPr>
         <p:spPr>
           <a:xfrm>
-            <a:off x="839788" y="2057400"/>
-            <a:ext cx="3932237" cy="3811588"/>
+            <a:off x="629841" y="2057400"/>
+            <a:ext cx="2949178" cy="3811588"/>
           </a:xfrm>
         </p:spPr>
         <p:txBody>
@@ -2447,7 +2445,7 @@
       </p:sp>
       <p:sp>
         <p:nvSpPr>
-          <p:cNvPr id="5" name="Дата 4"/>
+          <p:cNvPr id="5" name="Date Placeholder 4"/>
           <p:cNvSpPr>
             <a:spLocks noGrp="1"/>
           </p:cNvSpPr>
@@ -2470,7 +2468,7 @@
       </p:sp>
       <p:sp>
         <p:nvSpPr>
-          <p:cNvPr id="6" name="Нижний колонтитул 5"/>
+          <p:cNvPr id="6" name="Footer Placeholder 5"/>
           <p:cNvSpPr>
             <a:spLocks noGrp="1"/>
           </p:cNvSpPr>
@@ -2489,7 +2487,7 @@
       </p:sp>
       <p:sp>
         <p:nvSpPr>
-          <p:cNvPr id="7" name="Номер слайда 6"/>
+          <p:cNvPr id="7" name="Slide Number Placeholder 6"/>
           <p:cNvSpPr>
             <a:spLocks noGrp="1"/>
           </p:cNvSpPr>
@@ -2513,7 +2511,7 @@
     </p:spTree>
     <p:extLst>
       <p:ext uri="{BB962C8B-B14F-4D97-AF65-F5344CB8AC3E}">
-        <p14:creationId xmlns:p14="http://schemas.microsoft.com/office/powerpoint/2010/main" val="4014352075"/>
+        <p14:creationId xmlns:p14="http://schemas.microsoft.com/office/powerpoint/2010/main" val="226380577"/>
       </p:ext>
     </p:extLst>
   </p:cSld>
@@ -2542,7 +2540,7 @@
       </p:grpSpPr>
       <p:sp>
         <p:nvSpPr>
-          <p:cNvPr id="2" name="Заголовок 1"/>
+          <p:cNvPr id="2" name="Title 1"/>
           <p:cNvSpPr>
             <a:spLocks noGrp="1"/>
           </p:cNvSpPr>
@@ -2552,8 +2550,8 @@
         </p:nvSpPr>
         <p:spPr>
           <a:xfrm>
-            <a:off x="839788" y="457200"/>
-            <a:ext cx="3932237" cy="1600200"/>
+            <a:off x="629841" y="457200"/>
+            <a:ext cx="2949178" cy="1600200"/>
           </a:xfrm>
         </p:spPr>
         <p:txBody>
@@ -2568,15 +2566,15 @@
               <a:rPr lang="ru-RU" smtClean="0"/>
               <a:t>Образец заголовка</a:t>
             </a:r>
-            <a:endParaRPr lang="ru-RU"/>
-          </a:p>
-        </p:txBody>
-      </p:sp>
-      <p:sp>
-        <p:nvSpPr>
-          <p:cNvPr id="3" name="Рисунок 2"/>
-          <p:cNvSpPr>
-            <a:spLocks noGrp="1"/>
+            <a:endParaRPr lang="en-US" dirty="0"/>
+          </a:p>
+        </p:txBody>
+      </p:sp>
+      <p:sp>
+        <p:nvSpPr>
+          <p:cNvPr id="3" name="Picture Placeholder 2"/>
+          <p:cNvSpPr>
+            <a:spLocks noGrp="1" noChangeAspect="1"/>
           </p:cNvSpPr>
           <p:nvPr>
             <p:ph type="pic" idx="1"/>
@@ -2584,12 +2582,12 @@
         </p:nvSpPr>
         <p:spPr>
           <a:xfrm>
-            <a:off x="5183188" y="987425"/>
-            <a:ext cx="6172200" cy="4873625"/>
+            <a:off x="3887391" y="987426"/>
+            <a:ext cx="4629150" cy="4873625"/>
           </a:xfrm>
         </p:spPr>
         <p:txBody>
-          <a:bodyPr/>
+          <a:bodyPr anchor="t"/>
           <a:lstStyle>
             <a:lvl1pPr marL="0" indent="0">
               <a:buNone/>
@@ -2629,13 +2627,17 @@
             </a:lvl9pPr>
           </a:lstStyle>
           <a:p>
-            <a:endParaRPr lang="ru-RU"/>
-          </a:p>
-        </p:txBody>
-      </p:sp>
-      <p:sp>
-        <p:nvSpPr>
-          <p:cNvPr id="4" name="Текст 3"/>
+            <a:r>
+              <a:rPr lang="ru-RU" smtClean="0"/>
+              <a:t>Вставка рисунка</a:t>
+            </a:r>
+            <a:endParaRPr lang="en-US" dirty="0"/>
+          </a:p>
+        </p:txBody>
+      </p:sp>
+      <p:sp>
+        <p:nvSpPr>
+          <p:cNvPr id="4" name="Text Placeholder 3"/>
           <p:cNvSpPr>
             <a:spLocks noGrp="1"/>
           </p:cNvSpPr>
@@ -2645,8 +2647,8 @@
         </p:nvSpPr>
         <p:spPr>
           <a:xfrm>
-            <a:off x="839788" y="2057400"/>
-            <a:ext cx="3932237" cy="3811588"/>
+            <a:off x="629841" y="2057400"/>
+            <a:ext cx="2949178" cy="3811588"/>
           </a:xfrm>
         </p:spPr>
         <p:txBody>
@@ -2700,7 +2702,7 @@
       </p:sp>
       <p:sp>
         <p:nvSpPr>
-          <p:cNvPr id="5" name="Дата 4"/>
+          <p:cNvPr id="5" name="Date Placeholder 4"/>
           <p:cNvSpPr>
             <a:spLocks noGrp="1"/>
           </p:cNvSpPr>
@@ -2723,7 +2725,7 @@
       </p:sp>
       <p:sp>
         <p:nvSpPr>
-          <p:cNvPr id="6" name="Нижний колонтитул 5"/>
+          <p:cNvPr id="6" name="Footer Placeholder 5"/>
           <p:cNvSpPr>
             <a:spLocks noGrp="1"/>
           </p:cNvSpPr>
@@ -2742,7 +2744,7 @@
       </p:sp>
       <p:sp>
         <p:nvSpPr>
-          <p:cNvPr id="7" name="Номер слайда 6"/>
+          <p:cNvPr id="7" name="Slide Number Placeholder 6"/>
           <p:cNvSpPr>
             <a:spLocks noGrp="1"/>
           </p:cNvSpPr>
@@ -2766,7 +2768,7 @@
     </p:spTree>
     <p:extLst>
       <p:ext uri="{BB962C8B-B14F-4D97-AF65-F5344CB8AC3E}">
-        <p14:creationId xmlns:p14="http://schemas.microsoft.com/office/powerpoint/2010/main" val="144592185"/>
+        <p14:creationId xmlns:p14="http://schemas.microsoft.com/office/powerpoint/2010/main" val="111753588"/>
       </p:ext>
     </p:extLst>
   </p:cSld>
@@ -2800,7 +2802,7 @@
       </p:grpSpPr>
       <p:sp>
         <p:nvSpPr>
-          <p:cNvPr id="2" name="Заголовок 1"/>
+          <p:cNvPr id="2" name="Title Placeholder 1"/>
           <p:cNvSpPr>
             <a:spLocks noGrp="1"/>
           </p:cNvSpPr>
@@ -2810,8 +2812,8 @@
         </p:nvSpPr>
         <p:spPr>
           <a:xfrm>
-            <a:off x="838200" y="365125"/>
-            <a:ext cx="10515600" cy="1325563"/>
+            <a:off x="628650" y="365126"/>
+            <a:ext cx="7886700" cy="1325563"/>
           </a:xfrm>
           <a:prstGeom prst="rect">
             <a:avLst/>
@@ -2827,13 +2829,13 @@
               <a:rPr lang="ru-RU" smtClean="0"/>
               <a:t>Образец заголовка</a:t>
             </a:r>
-            <a:endParaRPr lang="ru-RU"/>
-          </a:p>
-        </p:txBody>
-      </p:sp>
-      <p:sp>
-        <p:nvSpPr>
-          <p:cNvPr id="3" name="Текст 2"/>
+            <a:endParaRPr lang="en-US" dirty="0"/>
+          </a:p>
+        </p:txBody>
+      </p:sp>
+      <p:sp>
+        <p:nvSpPr>
+          <p:cNvPr id="3" name="Text Placeholder 2"/>
           <p:cNvSpPr>
             <a:spLocks noGrp="1"/>
           </p:cNvSpPr>
@@ -2843,8 +2845,8 @@
         </p:nvSpPr>
         <p:spPr>
           <a:xfrm>
-            <a:off x="838200" y="1825625"/>
-            <a:ext cx="10515600" cy="4351338"/>
+            <a:off x="628650" y="1825625"/>
+            <a:ext cx="7886700" cy="4351338"/>
           </a:xfrm>
           <a:prstGeom prst="rect">
             <a:avLst/>
@@ -2889,13 +2891,13 @@
               <a:rPr lang="ru-RU" smtClean="0"/>
               <a:t>Пятый уровень</a:t>
             </a:r>
-            <a:endParaRPr lang="ru-RU"/>
-          </a:p>
-        </p:txBody>
-      </p:sp>
-      <p:sp>
-        <p:nvSpPr>
-          <p:cNvPr id="4" name="Дата 3"/>
+            <a:endParaRPr lang="en-US" dirty="0"/>
+          </a:p>
+        </p:txBody>
+      </p:sp>
+      <p:sp>
+        <p:nvSpPr>
+          <p:cNvPr id="4" name="Date Placeholder 3"/>
           <p:cNvSpPr>
             <a:spLocks noGrp="1"/>
           </p:cNvSpPr>
@@ -2905,8 +2907,8 @@
         </p:nvSpPr>
         <p:spPr>
           <a:xfrm>
-            <a:off x="838200" y="6356350"/>
-            <a:ext cx="2743200" cy="365125"/>
+            <a:off x="628650" y="6356351"/>
+            <a:ext cx="2057400" cy="365125"/>
           </a:xfrm>
           <a:prstGeom prst="rect">
             <a:avLst/>
@@ -2936,7 +2938,7 @@
       </p:sp>
       <p:sp>
         <p:nvSpPr>
-          <p:cNvPr id="5" name="Нижний колонтитул 4"/>
+          <p:cNvPr id="5" name="Footer Placeholder 4"/>
           <p:cNvSpPr>
             <a:spLocks noGrp="1"/>
           </p:cNvSpPr>
@@ -2946,8 +2948,8 @@
         </p:nvSpPr>
         <p:spPr>
           <a:xfrm>
-            <a:off x="4038600" y="6356350"/>
-            <a:ext cx="4114800" cy="365125"/>
+            <a:off x="3028950" y="6356351"/>
+            <a:ext cx="3086100" cy="365125"/>
           </a:xfrm>
           <a:prstGeom prst="rect">
             <a:avLst/>
@@ -2973,7 +2975,7 @@
       </p:sp>
       <p:sp>
         <p:nvSpPr>
-          <p:cNvPr id="6" name="Номер слайда 5"/>
+          <p:cNvPr id="6" name="Slide Number Placeholder 5"/>
           <p:cNvSpPr>
             <a:spLocks noGrp="1"/>
           </p:cNvSpPr>
@@ -2983,8 +2985,8 @@
         </p:nvSpPr>
         <p:spPr>
           <a:xfrm>
-            <a:off x="8610600" y="6356350"/>
-            <a:ext cx="2743200" cy="365125"/>
+            <a:off x="6457950" y="6356351"/>
+            <a:ext cx="2057400" cy="365125"/>
           </a:xfrm>
           <a:prstGeom prst="rect">
             <a:avLst/>
@@ -3015,23 +3017,23 @@
     </p:spTree>
     <p:extLst>
       <p:ext uri="{BB962C8B-B14F-4D97-AF65-F5344CB8AC3E}">
-        <p14:creationId xmlns:p14="http://schemas.microsoft.com/office/powerpoint/2010/main" val="2360786785"/>
+        <p14:creationId xmlns:p14="http://schemas.microsoft.com/office/powerpoint/2010/main" val="2598021594"/>
       </p:ext>
     </p:extLst>
   </p:cSld>
   <p:clrMap bg1="lt1" tx1="dk1" bg2="lt2" tx2="dk2" accent1="accent1" accent2="accent2" accent3="accent3" accent4="accent4" accent5="accent5" accent6="accent6" hlink="hlink" folHlink="folHlink"/>
   <p:sldLayoutIdLst>
-    <p:sldLayoutId id="2147483649" r:id="rId1"/>
-    <p:sldLayoutId id="2147483650" r:id="rId2"/>
-    <p:sldLayoutId id="2147483651" r:id="rId3"/>
-    <p:sldLayoutId id="2147483652" r:id="rId4"/>
-    <p:sldLayoutId id="2147483653" r:id="rId5"/>
-    <p:sldLayoutId id="2147483654" r:id="rId6"/>
-    <p:sldLayoutId id="2147483655" r:id="rId7"/>
-    <p:sldLayoutId id="2147483656" r:id="rId8"/>
-    <p:sldLayoutId id="2147483657" r:id="rId9"/>
-    <p:sldLayoutId id="2147483658" r:id="rId10"/>
-    <p:sldLayoutId id="2147483659" r:id="rId11"/>
+    <p:sldLayoutId id="2147483661" r:id="rId1"/>
+    <p:sldLayoutId id="2147483662" r:id="rId2"/>
+    <p:sldLayoutId id="2147483663" r:id="rId3"/>
+    <p:sldLayoutId id="2147483664" r:id="rId4"/>
+    <p:sldLayoutId id="2147483665" r:id="rId5"/>
+    <p:sldLayoutId id="2147483666" r:id="rId6"/>
+    <p:sldLayoutId id="2147483667" r:id="rId7"/>
+    <p:sldLayoutId id="2147483668" r:id="rId8"/>
+    <p:sldLayoutId id="2147483669" r:id="rId9"/>
+    <p:sldLayoutId id="2147483670" r:id="rId10"/>
+    <p:sldLayoutId id="2147483671" r:id="rId11"/>
   </p:sldLayoutIdLst>
   <p:txStyles>
     <p:titleStyle>
@@ -3219,7 +3221,7 @@
     </p:bodyStyle>
     <p:otherStyle>
       <a:defPPr>
-        <a:defRPr lang="ru-RU"/>
+        <a:defRPr lang="en-US"/>
       </a:defPPr>
       <a:lvl1pPr marL="0" algn="l" defTabSz="914400" rtl="0" eaLnBrk="1" latinLnBrk="0" hangingPunct="1">
         <a:defRPr sz="1800" kern="1200">
@@ -3341,8 +3343,8 @@
         </p:nvSpPr>
         <p:spPr>
           <a:xfrm>
-            <a:off x="2135126" y="751522"/>
-            <a:ext cx="9353971" cy="1477328"/>
+            <a:off x="1608285" y="1420892"/>
+            <a:ext cx="7001597" cy="1131079"/>
           </a:xfrm>
           <a:prstGeom prst="rect">
             <a:avLst/>
@@ -3357,38 +3359,34 @@
           <a:p>
             <a:pPr algn="ctr"/>
             <a:r>
-              <a:rPr lang="ru-RU" dirty="0"/>
+              <a:rPr lang="ru-RU" sz="1350" dirty="0"/>
               <a:t>«Московский государственный технический университет </a:t>
             </a:r>
             <a:br>
-              <a:rPr lang="ru-RU" dirty="0"/>
+              <a:rPr lang="ru-RU" sz="1350" dirty="0"/>
             </a:br>
             <a:r>
-              <a:rPr lang="ru-RU" dirty="0"/>
-              <a:t>им. Н.Э. Баумана (национальный исследовательский университет)» (МГТУ им. Н.Э. Баумана</a:t>
-            </a:r>
-            <a:r>
-              <a:rPr lang="ru-RU" dirty="0" smtClean="0"/>
-              <a:t>)</a:t>
+              <a:rPr lang="ru-RU" sz="1350" dirty="0"/>
+              <a:t>им. Н.Э. Баумана (национальный исследовательский университет)» (МГТУ им. Н.Э. Баумана)</a:t>
             </a:r>
           </a:p>
           <a:p>
             <a:pPr algn="ctr"/>
             <a:r>
-              <a:rPr lang="ru-RU" dirty="0"/>
+              <a:rPr lang="ru-RU" sz="1350" dirty="0"/>
               <a:t>ФАКУЛЬТЕТ – Информатика и управления</a:t>
             </a:r>
           </a:p>
           <a:p>
             <a:pPr algn="ctr"/>
             <a:r>
-              <a:rPr lang="ru-RU" dirty="0"/>
+              <a:rPr lang="ru-RU" sz="1350" dirty="0"/>
               <a:t>КАФЕДРА – Информационные системы и телекоммуникации</a:t>
             </a:r>
           </a:p>
           <a:p>
             <a:pPr algn="ctr"/>
-            <a:endParaRPr lang="ru-RU" dirty="0"/>
+            <a:endParaRPr lang="ru-RU" sz="1350" dirty="0"/>
           </a:p>
         </p:txBody>
       </p:sp>
@@ -3413,8 +3411,8 @@
         </p:blipFill>
         <p:spPr bwMode="auto">
           <a:xfrm>
-            <a:off x="704850" y="650795"/>
-            <a:ext cx="1066800" cy="1295400"/>
+            <a:off x="528638" y="1345346"/>
+            <a:ext cx="800100" cy="971550"/>
           </a:xfrm>
           <a:prstGeom prst="rect">
             <a:avLst/>
@@ -3433,8 +3431,8 @@
         </p:nvSpPr>
         <p:spPr>
           <a:xfrm>
-            <a:off x="3460949" y="2793563"/>
-            <a:ext cx="6359434" cy="2031325"/>
+            <a:off x="2572276" y="2952423"/>
+            <a:ext cx="4816447" cy="1546577"/>
           </a:xfrm>
           <a:prstGeom prst="rect">
             <a:avLst/>
@@ -3449,58 +3447,57 @@
           <a:p>
             <a:pPr algn="ctr"/>
             <a:r>
-              <a:rPr lang="ru-RU" dirty="0" smtClean="0"/>
+              <a:rPr lang="ru-RU" sz="1350" dirty="0"/>
               <a:t>Презентация </a:t>
             </a:r>
           </a:p>
           <a:p>
             <a:pPr algn="ctr"/>
-            <a:endParaRPr lang="ru-RU" dirty="0" smtClean="0"/>
+            <a:endParaRPr lang="ru-RU" sz="1350" dirty="0"/>
           </a:p>
           <a:p>
             <a:pPr algn="ctr"/>
             <a:r>
-              <a:rPr lang="ru-RU" dirty="0" smtClean="0"/>
+              <a:rPr lang="ru-RU" sz="1350" dirty="0"/>
               <a:t>К курсовой работе по дисциплине</a:t>
             </a:r>
           </a:p>
           <a:p>
             <a:pPr algn="ctr"/>
             <a:r>
-              <a:rPr lang="ru-RU" dirty="0" smtClean="0"/>
+              <a:rPr lang="ru-RU" sz="1350" dirty="0"/>
               <a:t>Информационные системы</a:t>
             </a:r>
           </a:p>
           <a:p>
             <a:pPr algn="ctr"/>
-            <a:endParaRPr lang="ru-RU" dirty="0" smtClean="0"/>
+            <a:endParaRPr lang="ru-RU" sz="1350" dirty="0"/>
           </a:p>
           <a:p>
             <a:pPr algn="ctr"/>
             <a:r>
-              <a:rPr lang="ru-RU" dirty="0" smtClean="0"/>
+              <a:rPr lang="ru-RU" sz="1350" dirty="0"/>
               <a:t>На тему</a:t>
             </a:r>
           </a:p>
           <a:p>
             <a:pPr algn="ctr"/>
             <a:r>
-              <a:rPr lang="ru-RU" dirty="0" smtClean="0"/>
+              <a:rPr lang="ru-RU" sz="1350" dirty="0"/>
               <a:t>Разработка </a:t>
             </a:r>
             <a:r>
-              <a:rPr lang="en-US" dirty="0" err="1" smtClean="0"/>
+              <a:rPr lang="en-US" sz="1350" dirty="0" err="1"/>
               <a:t>OSGi</a:t>
             </a:r>
             <a:r>
-              <a:rPr lang="en-US" dirty="0" smtClean="0"/>
+              <a:rPr lang="en-US" sz="1350" dirty="0"/>
               <a:t> </a:t>
             </a:r>
             <a:r>
-              <a:rPr lang="ru-RU" dirty="0" smtClean="0"/>
+              <a:rPr lang="ru-RU" sz="1350" dirty="0"/>
               <a:t>сервиса перехвата и анализа сетевых пакетов</a:t>
             </a:r>
-            <a:endParaRPr lang="ru-RU" dirty="0"/>
           </a:p>
         </p:txBody>
       </p:sp>
@@ -3512,8 +3509,8 @@
         </p:nvSpPr>
         <p:spPr>
           <a:xfrm>
-            <a:off x="8953500" y="5666601"/>
-            <a:ext cx="2800350" cy="784830"/>
+            <a:off x="6387921" y="5107201"/>
+            <a:ext cx="2427467" cy="630942"/>
           </a:xfrm>
           <a:prstGeom prst="rect">
             <a:avLst/>
@@ -3527,44 +3524,35 @@
           <a:p>
             <a:pPr algn="r">
               <a:lnSpc>
-                <a:spcPts val="1800"/>
+                <a:spcPts val="1350"/>
               </a:lnSpc>
-              <a:spcAft>
-                <a:spcPts val="0"/>
-              </a:spcAft>
             </a:pPr>
             <a:r>
-              <a:rPr lang="ru-RU" dirty="0" smtClean="0">
-                <a:effectLst/>
+              <a:rPr lang="ru-RU" sz="1350" dirty="0">
                 <a:latin typeface="Times New Roman" panose="02020603050405020304" pitchFamily="18" charset="0"/>
                 <a:ea typeface="Calibri" panose="020F0502020204030204" pitchFamily="34" charset="0"/>
               </a:rPr>
-              <a:t>Студентка </a:t>
-            </a:r>
-            <a:r>
-              <a:rPr lang="ru-RU" dirty="0" smtClean="0">
-                <a:effectLst/>
+              <a:t>Студентка группы </a:t>
+            </a:r>
+            <a:r>
+              <a:rPr lang="ru-RU" sz="1350" dirty="0" smtClean="0">
                 <a:latin typeface="Times New Roman" panose="02020603050405020304" pitchFamily="18" charset="0"/>
                 <a:ea typeface="Calibri" panose="020F0502020204030204" pitchFamily="34" charset="0"/>
               </a:rPr>
-              <a:t>группы ИУ3-73</a:t>
-            </a:r>
-            <a:endParaRPr lang="ru-RU" dirty="0">
+              <a:t>ИУ3-73</a:t>
+            </a:r>
+            <a:endParaRPr lang="ru-RU" sz="1350" dirty="0">
               <a:latin typeface="Times New Roman" panose="02020603050405020304" pitchFamily="18" charset="0"/>
               <a:ea typeface="Calibri" panose="020F0502020204030204" pitchFamily="34" charset="0"/>
             </a:endParaRPr>
           </a:p>
           <a:p>
-            <a:pPr>
+            <a:pPr algn="r">
               <a:lnSpc>
-                <a:spcPts val="1800"/>
+                <a:spcPts val="1350"/>
               </a:lnSpc>
-              <a:spcAft>
-                <a:spcPts val="0"/>
-              </a:spcAft>
             </a:pPr>
-            <a:endParaRPr lang="ru-RU" dirty="0" smtClean="0">
-              <a:effectLst/>
+            <a:endParaRPr lang="ru-RU" sz="1350" dirty="0">
               <a:latin typeface="Times New Roman" panose="02020603050405020304" pitchFamily="18" charset="0"/>
               <a:ea typeface="Calibri" panose="020F0502020204030204" pitchFamily="34" charset="0"/>
             </a:endParaRPr>
@@ -3572,32 +3560,16 @@
           <a:p>
             <a:pPr algn="r">
               <a:lnSpc>
-                <a:spcPts val="1800"/>
+                <a:spcPts val="1350"/>
               </a:lnSpc>
-              <a:spcAft>
-                <a:spcPts val="0"/>
-              </a:spcAft>
             </a:pPr>
             <a:r>
-              <a:rPr lang="ru-RU" dirty="0" smtClean="0">
-                <a:effectLst/>
+              <a:rPr lang="ru-RU" sz="1350" dirty="0">
                 <a:latin typeface="Times New Roman" panose="02020603050405020304" pitchFamily="18" charset="0"/>
                 <a:ea typeface="Calibri" panose="020F0502020204030204" pitchFamily="34" charset="0"/>
               </a:rPr>
-              <a:t>	</a:t>
-            </a:r>
-            <a:r>
-              <a:rPr lang="ru-RU" dirty="0" smtClean="0">
-                <a:latin typeface="Times New Roman" panose="02020603050405020304" pitchFamily="18" charset="0"/>
-                <a:ea typeface="Calibri" panose="020F0502020204030204" pitchFamily="34" charset="0"/>
-              </a:rPr>
-              <a:t>Н.Б. Коренева</a:t>
-            </a:r>
-            <a:endParaRPr lang="ru-RU" dirty="0">
-              <a:effectLst/>
-              <a:latin typeface="Times New Roman" panose="02020603050405020304" pitchFamily="18" charset="0"/>
-              <a:ea typeface="Calibri" panose="020F0502020204030204" pitchFamily="34" charset="0"/>
-            </a:endParaRPr>
+              <a:t>	Н.Б. Коренева</a:t>
+            </a:r>
           </a:p>
         </p:txBody>
       </p:sp>
@@ -3685,8 +3657,8 @@
         </p:blipFill>
         <p:spPr>
           <a:xfrm>
-            <a:off x="3397045" y="2163651"/>
-            <a:ext cx="6158598" cy="3271234"/>
+            <a:off x="2547784" y="2479988"/>
+            <a:ext cx="4618949" cy="2453426"/>
           </a:xfrm>
         </p:spPr>
       </p:pic>
@@ -3739,8 +3711,8 @@
         </p:nvSpPr>
         <p:spPr>
           <a:xfrm>
-            <a:off x="838200" y="234496"/>
-            <a:ext cx="10515600" cy="1325563"/>
+            <a:off x="628650" y="1033123"/>
+            <a:ext cx="7886700" cy="994172"/>
           </a:xfrm>
         </p:spPr>
         <p:txBody>
@@ -3751,6 +3723,43 @@
               <a:rPr lang="ru-RU" dirty="0" smtClean="0"/>
               <a:t>Оценка покрытия кода</a:t>
             </a:r>
+            <a:endParaRPr lang="ru-RU" dirty="0"/>
+          </a:p>
+        </p:txBody>
+      </p:sp>
+      <p:sp>
+        <p:nvSpPr>
+          <p:cNvPr id="6" name="Объект 5"/>
+          <p:cNvSpPr>
+            <a:spLocks noGrp="1"/>
+          </p:cNvSpPr>
+          <p:nvPr>
+            <p:ph idx="1"/>
+          </p:nvPr>
+        </p:nvSpPr>
+        <p:spPr/>
+        <p:txBody>
+          <a:bodyPr/>
+          <a:lstStyle/>
+          <a:p>
+            <a:endParaRPr lang="ru-RU" dirty="0" smtClean="0"/>
+          </a:p>
+          <a:p>
+            <a:endParaRPr lang="ru-RU" dirty="0"/>
+          </a:p>
+          <a:p>
+            <a:endParaRPr lang="ru-RU" dirty="0" smtClean="0"/>
+          </a:p>
+          <a:p>
+            <a:endParaRPr lang="ru-RU" dirty="0"/>
+          </a:p>
+          <a:p>
+            <a:endParaRPr lang="ru-RU" dirty="0" smtClean="0"/>
+          </a:p>
+          <a:p>
+            <a:endParaRPr lang="ru-RU" dirty="0"/>
+          </a:p>
+          <a:p>
             <a:endParaRPr lang="ru-RU" dirty="0"/>
           </a:p>
         </p:txBody>
@@ -3777,51 +3786,14 @@
         </p:blipFill>
         <p:spPr>
           <a:xfrm>
-            <a:off x="3607056" y="1208593"/>
-            <a:ext cx="4751333" cy="3482968"/>
+            <a:off x="2705292" y="1763695"/>
+            <a:ext cx="3563500" cy="2612226"/>
           </a:xfrm>
           <a:prstGeom prst="rect">
             <a:avLst/>
           </a:prstGeom>
         </p:spPr>
       </p:pic>
-      <p:sp>
-        <p:nvSpPr>
-          <p:cNvPr id="6" name="Объект 5"/>
-          <p:cNvSpPr>
-            <a:spLocks noGrp="1"/>
-          </p:cNvSpPr>
-          <p:nvPr>
-            <p:ph idx="1"/>
-          </p:nvPr>
-        </p:nvSpPr>
-        <p:spPr/>
-        <p:txBody>
-          <a:bodyPr/>
-          <a:lstStyle/>
-          <a:p>
-            <a:endParaRPr lang="ru-RU" dirty="0" smtClean="0"/>
-          </a:p>
-          <a:p>
-            <a:endParaRPr lang="ru-RU" dirty="0"/>
-          </a:p>
-          <a:p>
-            <a:endParaRPr lang="ru-RU" dirty="0" smtClean="0"/>
-          </a:p>
-          <a:p>
-            <a:endParaRPr lang="ru-RU" dirty="0"/>
-          </a:p>
-          <a:p>
-            <a:endParaRPr lang="ru-RU" dirty="0" smtClean="0"/>
-          </a:p>
-          <a:p>
-            <a:endParaRPr lang="ru-RU" dirty="0"/>
-          </a:p>
-          <a:p>
-            <a:endParaRPr lang="ru-RU" dirty="0"/>
-          </a:p>
-        </p:txBody>
-      </p:sp>
       <p:pic>
         <p:nvPicPr>
           <p:cNvPr id="7" name="Рисунок 6"/>
@@ -3836,8 +3808,8 @@
         </p:blipFill>
         <p:spPr>
           <a:xfrm>
-            <a:off x="2060620" y="4841411"/>
-            <a:ext cx="7843234" cy="1638708"/>
+            <a:off x="1545465" y="4488308"/>
+            <a:ext cx="5882426" cy="1229031"/>
           </a:xfrm>
           <a:prstGeom prst="rect">
             <a:avLst/>
@@ -3893,8 +3865,8 @@
         </p:nvSpPr>
         <p:spPr>
           <a:xfrm>
-            <a:off x="3467100" y="2536825"/>
-            <a:ext cx="10515600" cy="1325563"/>
+            <a:off x="2046533" y="2785627"/>
+            <a:ext cx="5577760" cy="994172"/>
           </a:xfrm>
         </p:spPr>
         <p:txBody>
@@ -3981,12 +3953,14 @@
         </p:nvSpPr>
         <p:spPr>
           <a:xfrm>
-            <a:off x="838200" y="1863725"/>
-            <a:ext cx="10515600" cy="4351338"/>
+            <a:off x="628650" y="2255044"/>
+            <a:ext cx="7886700" cy="3263504"/>
           </a:xfrm>
         </p:spPr>
         <p:txBody>
-          <a:bodyPr/>
+          <a:bodyPr>
+            <a:normAutofit fontScale="92500"/>
+          </a:bodyPr>
           <a:lstStyle/>
           <a:p>
             <a:pPr marL="0" indent="0">
@@ -4002,11 +3976,7 @@
             </a:r>
             <a:r>
               <a:rPr lang="ru-RU" dirty="0" smtClean="0"/>
-              <a:t> сервиса </a:t>
-            </a:r>
-            <a:r>
-              <a:rPr lang="ru-RU" dirty="0" smtClean="0"/>
-              <a:t>перехвата и анализа сетевых пакетов:</a:t>
+              <a:t> сервиса перехвата и анализа сетевых пакетов:</a:t>
             </a:r>
             <a:endParaRPr lang="ru-RU" b="0" dirty="0" smtClean="0">
               <a:effectLst/>
@@ -4106,13 +4076,13 @@
         </p:nvSpPr>
         <p:spPr>
           <a:xfrm>
-            <a:off x="838200" y="365125"/>
-            <a:ext cx="10515600" cy="1669737"/>
+            <a:off x="628650" y="1131094"/>
+            <a:ext cx="7886700" cy="1252303"/>
           </a:xfrm>
         </p:spPr>
         <p:txBody>
           <a:bodyPr>
-            <a:normAutofit/>
+            <a:normAutofit fontScale="90000"/>
           </a:bodyPr>
           <a:lstStyle/>
           <a:p>
@@ -4132,8 +4102,8 @@
         </p:nvSpPr>
         <p:spPr>
           <a:xfrm>
-            <a:off x="978794" y="2034862"/>
-            <a:ext cx="10008509" cy="2308324"/>
+            <a:off x="734096" y="2383396"/>
+            <a:ext cx="7493077" cy="1754326"/>
           </a:xfrm>
           <a:prstGeom prst="rect">
             <a:avLst/>
@@ -4146,82 +4116,79 @@
           </a:bodyPr>
           <a:lstStyle/>
           <a:p>
-            <a:pPr marL="285750" indent="-285750">
+            <a:pPr marL="214313" indent="-214313">
               <a:buFont typeface="Arial" panose="020B0604020202020204" pitchFamily="34" charset="0"/>
               <a:buChar char="•"/>
             </a:pPr>
             <a:r>
-              <a:rPr lang="ru-RU" sz="3600" dirty="0" smtClean="0">
+              <a:rPr lang="ru-RU" sz="2700" dirty="0">
                 <a:latin typeface="+mj-lt"/>
               </a:rPr>
               <a:t>Выявление проблем в работе сети</a:t>
             </a:r>
             <a:r>
-              <a:rPr lang="en-US" sz="3600" dirty="0" smtClean="0">
+              <a:rPr lang="en-US" sz="2700" dirty="0">
                 <a:latin typeface="+mj-lt"/>
               </a:rPr>
               <a:t>;</a:t>
             </a:r>
-            <a:endParaRPr lang="ru-RU" sz="3600" dirty="0" smtClean="0">
+            <a:endParaRPr lang="ru-RU" sz="2700" dirty="0">
               <a:latin typeface="+mj-lt"/>
             </a:endParaRPr>
           </a:p>
           <a:p>
-            <a:pPr marL="285750" indent="-285750">
+            <a:pPr marL="214313" indent="-214313">
               <a:buFont typeface="Arial" panose="020B0604020202020204" pitchFamily="34" charset="0"/>
               <a:buChar char="•"/>
             </a:pPr>
             <a:r>
-              <a:rPr lang="ru-RU" sz="3600" dirty="0" smtClean="0">
+              <a:rPr lang="ru-RU" sz="2700" dirty="0">
                 <a:latin typeface="+mj-lt"/>
               </a:rPr>
               <a:t>Восстановление потоков данных</a:t>
             </a:r>
             <a:r>
-              <a:rPr lang="en-US" sz="3600" dirty="0" smtClean="0">
+              <a:rPr lang="en-US" sz="2700" dirty="0">
                 <a:latin typeface="+mj-lt"/>
               </a:rPr>
               <a:t>;</a:t>
             </a:r>
-            <a:endParaRPr lang="ru-RU" sz="3600" dirty="0" smtClean="0">
+            <a:endParaRPr lang="ru-RU" sz="2700" dirty="0">
               <a:latin typeface="+mj-lt"/>
             </a:endParaRPr>
           </a:p>
           <a:p>
-            <a:pPr marL="285750" indent="-285750">
+            <a:pPr marL="214313" indent="-214313">
               <a:buFont typeface="Arial" panose="020B0604020202020204" pitchFamily="34" charset="0"/>
               <a:buChar char="•"/>
             </a:pPr>
             <a:r>
-              <a:rPr lang="ru-RU" sz="3600" dirty="0" smtClean="0">
+              <a:rPr lang="ru-RU" sz="2700" dirty="0">
                 <a:latin typeface="+mj-lt"/>
               </a:rPr>
               <a:t>Предотвращение различного рода сетевых атак</a:t>
             </a:r>
             <a:r>
-              <a:rPr lang="en-US" sz="3600" dirty="0" smtClean="0">
+              <a:rPr lang="en-US" sz="2700" dirty="0">
                 <a:latin typeface="+mj-lt"/>
               </a:rPr>
               <a:t>;</a:t>
             </a:r>
-            <a:endParaRPr lang="ru-RU" sz="3600" dirty="0" smtClean="0">
+            <a:endParaRPr lang="ru-RU" sz="2700" dirty="0">
               <a:latin typeface="+mj-lt"/>
             </a:endParaRPr>
           </a:p>
           <a:p>
-            <a:pPr marL="285750" indent="-285750">
+            <a:pPr marL="214313" indent="-214313">
               <a:buFont typeface="Arial" panose="020B0604020202020204" pitchFamily="34" charset="0"/>
               <a:buChar char="•"/>
             </a:pPr>
             <a:r>
-              <a:rPr lang="ru-RU" sz="3600" dirty="0" smtClean="0">
+              <a:rPr lang="ru-RU" sz="2700" dirty="0">
                 <a:latin typeface="+mj-lt"/>
               </a:rPr>
               <a:t>Сбор статистики</a:t>
             </a:r>
-            <a:endParaRPr lang="ru-RU" sz="3600" dirty="0">
-              <a:latin typeface="+mj-lt"/>
-            </a:endParaRPr>
           </a:p>
         </p:txBody>
       </p:sp>
@@ -4274,8 +4241,8 @@
         </p:nvSpPr>
         <p:spPr>
           <a:xfrm>
-            <a:off x="838200" y="365124"/>
-            <a:ext cx="10515600" cy="2017467"/>
+            <a:off x="628650" y="1131094"/>
+            <a:ext cx="7886700" cy="1513100"/>
           </a:xfrm>
         </p:spPr>
         <p:txBody>
@@ -4303,8 +4270,8 @@
         </p:nvSpPr>
         <p:spPr>
           <a:xfrm>
-            <a:off x="838200" y="2472744"/>
-            <a:ext cx="9539984" cy="2308324"/>
+            <a:off x="628650" y="2711808"/>
+            <a:ext cx="7154988" cy="1754326"/>
           </a:xfrm>
           <a:prstGeom prst="rect">
             <a:avLst/>
@@ -4318,74 +4285,59 @@
           <a:lstStyle/>
           <a:p>
             <a:r>
-              <a:rPr lang="ru-RU" sz="3600" dirty="0" smtClean="0">
+              <a:rPr lang="ru-RU" sz="2700" dirty="0">
                 <a:latin typeface="+mj-lt"/>
               </a:rPr>
               <a:t>Позволяет создавать</a:t>
             </a:r>
             <a:r>
-              <a:rPr lang="en-US" sz="3600" dirty="0" smtClean="0">
+              <a:rPr lang="en-US" sz="2700" dirty="0">
                 <a:latin typeface="+mj-lt"/>
               </a:rPr>
               <a:t>:</a:t>
             </a:r>
           </a:p>
           <a:p>
-            <a:pPr marL="285750" indent="-285750">
+            <a:pPr marL="214313" indent="-214313">
               <a:buFont typeface="Arial" panose="020B0604020202020204" pitchFamily="34" charset="0"/>
               <a:buChar char="•"/>
             </a:pPr>
             <a:r>
-              <a:rPr lang="ru-RU" sz="3600" dirty="0" smtClean="0">
+              <a:rPr lang="ru-RU" sz="2700" dirty="0">
                 <a:latin typeface="+mj-lt"/>
               </a:rPr>
               <a:t>программы анализа сетевых данных</a:t>
             </a:r>
-            <a:endParaRPr lang="en-US" sz="3600" dirty="0" smtClean="0">
+            <a:endParaRPr lang="en-US" sz="2700" dirty="0">
               <a:latin typeface="+mj-lt"/>
             </a:endParaRPr>
           </a:p>
           <a:p>
-            <a:pPr marL="285750" indent="-285750">
+            <a:pPr marL="214313" indent="-214313">
               <a:buFont typeface="Arial" panose="020B0604020202020204" pitchFamily="34" charset="0"/>
               <a:buChar char="•"/>
             </a:pPr>
             <a:r>
-              <a:rPr lang="ru-RU" sz="3600" dirty="0">
+              <a:rPr lang="ru-RU" sz="2700" dirty="0">
                 <a:latin typeface="+mj-lt"/>
               </a:rPr>
-              <a:t>программы мониторинга и тестирования </a:t>
-            </a:r>
-            <a:r>
-              <a:rPr lang="ru-RU" sz="3600" dirty="0" smtClean="0">
-                <a:latin typeface="+mj-lt"/>
-              </a:rPr>
-              <a:t>сети</a:t>
-            </a:r>
-            <a:endParaRPr lang="en-US" sz="3600" dirty="0" smtClean="0">
+              <a:t>программы мониторинга и тестирования сети</a:t>
+            </a:r>
+            <a:endParaRPr lang="en-US" sz="2700" dirty="0">
               <a:latin typeface="+mj-lt"/>
             </a:endParaRPr>
           </a:p>
           <a:p>
-            <a:pPr marL="285750" indent="-285750">
+            <a:pPr marL="214313" indent="-214313">
               <a:buFont typeface="Arial" panose="020B0604020202020204" pitchFamily="34" charset="0"/>
               <a:buChar char="•"/>
             </a:pPr>
             <a:r>
-              <a:rPr lang="ru-RU" sz="3600" dirty="0">
+              <a:rPr lang="ru-RU" sz="2700" dirty="0">
                 <a:latin typeface="+mj-lt"/>
               </a:rPr>
-              <a:t>а</a:t>
-            </a:r>
-            <a:r>
-              <a:rPr lang="ru-RU" sz="3600" dirty="0" smtClean="0">
-                <a:latin typeface="+mj-lt"/>
-              </a:rPr>
-              <a:t>нализаторы трафика</a:t>
-            </a:r>
-            <a:endParaRPr lang="ru-RU" sz="3600" dirty="0">
-              <a:latin typeface="+mj-lt"/>
-            </a:endParaRPr>
+              <a:t>анализаторы трафика</a:t>
+            </a:r>
           </a:p>
         </p:txBody>
       </p:sp>
@@ -4451,7 +4403,7 @@
       </p:sp>
       <p:pic>
         <p:nvPicPr>
-          <p:cNvPr id="7" name="Объект 6"/>
+          <p:cNvPr id="11" name="Объект 10"/>
           <p:cNvPicPr>
             <a:picLocks noGrp="1" noChangeAspect="1"/>
           </p:cNvPicPr>
@@ -4473,8 +4425,8 @@
         </p:blipFill>
         <p:spPr>
           <a:xfrm>
-            <a:off x="3496623" y="1825625"/>
-            <a:ext cx="5198753" cy="4351338"/>
+            <a:off x="628650" y="1690689"/>
+            <a:ext cx="7902152" cy="4645717"/>
           </a:xfrm>
         </p:spPr>
       </p:pic>
@@ -4562,8 +4514,8 @@
         </p:blipFill>
         <p:spPr>
           <a:xfrm>
-            <a:off x="2536430" y="1825625"/>
-            <a:ext cx="7119140" cy="4351338"/>
+            <a:off x="1318185" y="1795814"/>
+            <a:ext cx="6628080" cy="4051194"/>
           </a:xfrm>
         </p:spPr>
       </p:pic>
@@ -4650,8 +4602,8 @@
         </p:blipFill>
         <p:spPr>
           <a:xfrm>
-            <a:off x="1280440" y="2292439"/>
-            <a:ext cx="9631119" cy="3451537"/>
+            <a:off x="960331" y="2576580"/>
+            <a:ext cx="7223339" cy="2588653"/>
           </a:xfrm>
         </p:spPr>
       </p:pic>
@@ -4665,6 +4617,13 @@
   <p:clrMapOvr>
     <a:masterClrMapping/>
   </p:clrMapOvr>
+  <p:timing>
+    <p:tnLst>
+      <p:par>
+        <p:cTn id="1" dur="indefinite" restart="never" nodeType="tmRoot"/>
+      </p:par>
+    </p:tnLst>
+  </p:timing>
 </p:sld>
 </file>
 
@@ -4731,8 +4690,8 @@
         </p:blipFill>
         <p:spPr>
           <a:xfrm>
-            <a:off x="3065751" y="1825625"/>
-            <a:ext cx="6060497" cy="4351338"/>
+            <a:off x="2299314" y="1703712"/>
+            <a:ext cx="5273463" cy="3786261"/>
           </a:xfrm>
         </p:spPr>
       </p:pic>
@@ -4746,6 +4705,13 @@
   <p:clrMapOvr>
     <a:masterClrMapping/>
   </p:clrMapOvr>
+  <p:timing>
+    <p:tnLst>
+      <p:par>
+        <p:cTn id="1" dur="indefinite" restart="never" nodeType="tmRoot"/>
+      </p:par>
+    </p:tnLst>
+  </p:timing>
 </p:sld>
 </file>
 
@@ -4813,8 +4779,8 @@
         </p:blipFill>
         <p:spPr>
           <a:xfrm>
-            <a:off x="3147569" y="1561620"/>
-            <a:ext cx="2948431" cy="4854261"/>
+            <a:off x="2112135" y="1690689"/>
+            <a:ext cx="2459865" cy="3978472"/>
           </a:xfrm>
         </p:spPr>
       </p:pic>
@@ -4840,8 +4806,8 @@
         </p:blipFill>
         <p:spPr>
           <a:xfrm>
-            <a:off x="6257580" y="1561620"/>
-            <a:ext cx="2467319" cy="1428949"/>
+            <a:off x="4693186" y="1690689"/>
+            <a:ext cx="2209890" cy="1409488"/>
           </a:xfrm>
           <a:prstGeom prst="rect">
             <a:avLst/>
@@ -4858,13 +4824,20 @@
   <p:clrMapOvr>
     <a:masterClrMapping/>
   </p:clrMapOvr>
+  <p:timing>
+    <p:tnLst>
+      <p:par>
+        <p:cTn id="1" dur="indefinite" restart="never" nodeType="tmRoot"/>
+      </p:par>
+    </p:tnLst>
+  </p:timing>
 </p:sld>
 </file>
 
 <file path=ppt/theme/theme1.xml><?xml version="1.0" encoding="utf-8"?>
 <a:theme xmlns:a="http://schemas.openxmlformats.org/drawingml/2006/main" name="Тема Office">
   <a:themeElements>
-    <a:clrScheme name="Стандартная">
+    <a:clrScheme name="Тема Office">
       <a:dk1>
         <a:sysClr val="windowText" lastClr="000000"/>
       </a:dk1>
@@ -4902,14 +4875,14 @@
         <a:srgbClr val="954F72"/>
       </a:folHlink>
     </a:clrScheme>
-    <a:fontScheme name="Стандартная">
+    <a:fontScheme name="Тема Office">
       <a:majorFont>
         <a:latin typeface="Calibri Light" panose="020F0302020204030204"/>
         <a:ea typeface=""/>
         <a:cs typeface=""/>
-        <a:font script="Jpan" typeface="ＭＳ Ｐゴシック"/>
+        <a:font script="Jpan" typeface="游ゴシック Light"/>
         <a:font script="Hang" typeface="맑은 고딕"/>
-        <a:font script="Hans" typeface="宋体"/>
+        <a:font script="Hans" typeface="等线 Light"/>
         <a:font script="Hant" typeface="新細明體"/>
         <a:font script="Arab" typeface="Times New Roman"/>
         <a:font script="Hebr" typeface="Times New Roman"/>
@@ -4942,9 +4915,9 @@
         <a:latin typeface="Calibri" panose="020F0502020204030204"/>
         <a:ea typeface=""/>
         <a:cs typeface=""/>
-        <a:font script="Jpan" typeface="ＭＳ Ｐゴシック"/>
+        <a:font script="Jpan" typeface="游ゴシック"/>
         <a:font script="Hang" typeface="맑은 고딕"/>
-        <a:font script="Hans" typeface="宋体"/>
+        <a:font script="Hans" typeface="等线"/>
         <a:font script="Hant" typeface="新細明體"/>
         <a:font script="Arab" typeface="Arial"/>
         <a:font script="Hebr" typeface="Arial"/>
@@ -4974,7 +4947,7 @@
         <a:font script="Geor" typeface="Sylfaen"/>
       </a:minorFont>
     </a:fontScheme>
-    <a:fmtScheme name="Стандартная">
+    <a:fmtScheme name="Тема Office">
       <a:fillStyleLst>
         <a:solidFill>
           <a:schemeClr val="phClr"/>
